--- a/PPT/08) 5일차-텍스트 예측 소개.pptx
+++ b/PPT/08) 5일차-텍스트 예측 소개.pptx
@@ -203,7 +203,7 @@
           <a:p>
             <a:fld id="{1B6E3774-0E21-4466-89FE-47F912FC75D3}" type="datetimeFigureOut">
               <a:rPr lang="ko-KR" altLang="en-US" smtClean="0"/>
-              <a:t>2020-08-02</a:t>
+              <a:t>2020-08-08</a:t>
             </a:fld>
             <a:endParaRPr lang="ko-KR" altLang="en-US"/>
           </a:p>
@@ -691,7 +691,7 @@
           <a:p>
             <a:fld id="{ACDEFF3B-8A07-4FB1-9BE4-BDB72A1F7CD9}" type="datetimeFigureOut">
               <a:rPr lang="ko-KR" altLang="en-US" smtClean="0"/>
-              <a:t>2020-08-02</a:t>
+              <a:t>2020-08-08</a:t>
             </a:fld>
             <a:endParaRPr lang="ko-KR" altLang="en-US"/>
           </a:p>
@@ -861,7 +861,7 @@
           <a:p>
             <a:fld id="{ACDEFF3B-8A07-4FB1-9BE4-BDB72A1F7CD9}" type="datetimeFigureOut">
               <a:rPr lang="ko-KR" altLang="en-US" smtClean="0"/>
-              <a:t>2020-08-02</a:t>
+              <a:t>2020-08-08</a:t>
             </a:fld>
             <a:endParaRPr lang="ko-KR" altLang="en-US"/>
           </a:p>
@@ -1041,7 +1041,7 @@
           <a:p>
             <a:fld id="{ACDEFF3B-8A07-4FB1-9BE4-BDB72A1F7CD9}" type="datetimeFigureOut">
               <a:rPr lang="ko-KR" altLang="en-US" smtClean="0"/>
-              <a:t>2020-08-02</a:t>
+              <a:t>2020-08-08</a:t>
             </a:fld>
             <a:endParaRPr lang="ko-KR" altLang="en-US"/>
           </a:p>
@@ -1211,7 +1211,7 @@
           <a:p>
             <a:fld id="{ACDEFF3B-8A07-4FB1-9BE4-BDB72A1F7CD9}" type="datetimeFigureOut">
               <a:rPr lang="ko-KR" altLang="en-US" smtClean="0"/>
-              <a:t>2020-08-02</a:t>
+              <a:t>2020-08-08</a:t>
             </a:fld>
             <a:endParaRPr lang="ko-KR" altLang="en-US"/>
           </a:p>
@@ -1457,7 +1457,7 @@
           <a:p>
             <a:fld id="{ACDEFF3B-8A07-4FB1-9BE4-BDB72A1F7CD9}" type="datetimeFigureOut">
               <a:rPr lang="ko-KR" altLang="en-US" smtClean="0"/>
-              <a:t>2020-08-02</a:t>
+              <a:t>2020-08-08</a:t>
             </a:fld>
             <a:endParaRPr lang="ko-KR" altLang="en-US"/>
           </a:p>
@@ -1689,7 +1689,7 @@
           <a:p>
             <a:fld id="{ACDEFF3B-8A07-4FB1-9BE4-BDB72A1F7CD9}" type="datetimeFigureOut">
               <a:rPr lang="ko-KR" altLang="en-US" smtClean="0"/>
-              <a:t>2020-08-02</a:t>
+              <a:t>2020-08-08</a:t>
             </a:fld>
             <a:endParaRPr lang="ko-KR" altLang="en-US"/>
           </a:p>
@@ -2056,7 +2056,7 @@
           <a:p>
             <a:fld id="{ACDEFF3B-8A07-4FB1-9BE4-BDB72A1F7CD9}" type="datetimeFigureOut">
               <a:rPr lang="ko-KR" altLang="en-US" smtClean="0"/>
-              <a:t>2020-08-02</a:t>
+              <a:t>2020-08-08</a:t>
             </a:fld>
             <a:endParaRPr lang="ko-KR" altLang="en-US"/>
           </a:p>
@@ -2174,7 +2174,7 @@
           <a:p>
             <a:fld id="{ACDEFF3B-8A07-4FB1-9BE4-BDB72A1F7CD9}" type="datetimeFigureOut">
               <a:rPr lang="ko-KR" altLang="en-US" smtClean="0"/>
-              <a:t>2020-08-02</a:t>
+              <a:t>2020-08-08</a:t>
             </a:fld>
             <a:endParaRPr lang="ko-KR" altLang="en-US"/>
           </a:p>
@@ -2269,7 +2269,7 @@
           <a:p>
             <a:fld id="{ACDEFF3B-8A07-4FB1-9BE4-BDB72A1F7CD9}" type="datetimeFigureOut">
               <a:rPr lang="ko-KR" altLang="en-US" smtClean="0"/>
-              <a:t>2020-08-02</a:t>
+              <a:t>2020-08-08</a:t>
             </a:fld>
             <a:endParaRPr lang="ko-KR" altLang="en-US"/>
           </a:p>
@@ -2546,7 +2546,7 @@
           <a:p>
             <a:fld id="{ACDEFF3B-8A07-4FB1-9BE4-BDB72A1F7CD9}" type="datetimeFigureOut">
               <a:rPr lang="ko-KR" altLang="en-US" smtClean="0"/>
-              <a:t>2020-08-02</a:t>
+              <a:t>2020-08-08</a:t>
             </a:fld>
             <a:endParaRPr lang="ko-KR" altLang="en-US"/>
           </a:p>
@@ -2799,7 +2799,7 @@
           <a:p>
             <a:fld id="{ACDEFF3B-8A07-4FB1-9BE4-BDB72A1F7CD9}" type="datetimeFigureOut">
               <a:rPr lang="ko-KR" altLang="en-US" smtClean="0"/>
-              <a:t>2020-08-02</a:t>
+              <a:t>2020-08-08</a:t>
             </a:fld>
             <a:endParaRPr lang="ko-KR" altLang="en-US"/>
           </a:p>
@@ -3012,7 +3012,7 @@
           <a:p>
             <a:fld id="{ACDEFF3B-8A07-4FB1-9BE4-BDB72A1F7CD9}" type="datetimeFigureOut">
               <a:rPr lang="ko-KR" altLang="en-US" smtClean="0"/>
-              <a:t>2020-08-02</a:t>
+              <a:t>2020-08-08</a:t>
             </a:fld>
             <a:endParaRPr lang="ko-KR" altLang="en-US"/>
           </a:p>
@@ -6360,7 +6360,8 @@
           <a:lstStyle/>
           <a:p>
             <a:pPr marL="514350" indent="-514350">
-              <a:buAutoNum type="arabicPeriod"/>
+              <a:buFont typeface="+mj-lt"/>
+              <a:buAutoNum type="arabicPeriod" startAt="2"/>
             </a:pPr>
             <a:r>
               <a:rPr lang="en-US" altLang="ko-KR" sz="2800" dirty="0" smtClean="0"/>
@@ -7154,7 +7155,8 @@
           <a:lstStyle/>
           <a:p>
             <a:pPr marL="514350" indent="-514350">
-              <a:buAutoNum type="arabicPeriod"/>
+              <a:buFont typeface="+mj-lt"/>
+              <a:buAutoNum type="arabicPeriod" startAt="2"/>
             </a:pPr>
             <a:r>
               <a:rPr lang="en-US" altLang="ko-KR" sz="2800" dirty="0" smtClean="0"/>
@@ -9694,29 +9696,18 @@
           <a:lstStyle/>
           <a:p>
             <a:r>
-              <a:rPr lang="en-US" altLang="ko-KR" sz="3200" spc="300" dirty="0">
+              <a:rPr lang="ko-KR" altLang="en-US" sz="3600" dirty="0">
                 <a:solidFill>
                   <a:schemeClr val="tx1"/>
                 </a:solidFill>
               </a:rPr>
-              <a:t>RNN &amp; </a:t>
-            </a:r>
-            <a:r>
-              <a:rPr lang="ko-KR" altLang="en-US" sz="3200" spc="300" dirty="0" err="1">
-                <a:solidFill>
-                  <a:schemeClr val="tx1"/>
-                </a:solidFill>
-              </a:rPr>
-              <a:t>시계열</a:t>
-            </a:r>
-            <a:r>
-              <a:rPr lang="ko-KR" altLang="en-US" sz="3200" spc="300" dirty="0">
-                <a:solidFill>
-                  <a:schemeClr val="tx1"/>
-                </a:solidFill>
-              </a:rPr>
-              <a:t> 데이터</a:t>
-            </a:r>
+              <a:t>텍스트 예측 </a:t>
+            </a:r>
+            <a:endParaRPr lang="ko-KR" altLang="en-US" sz="3600" spc="300" dirty="0">
+              <a:solidFill>
+                <a:schemeClr val="tx1"/>
+              </a:solidFill>
+            </a:endParaRPr>
           </a:p>
         </p:txBody>
       </p:sp>
